--- a/docs/library/10-03-2023/10-03-2023.pptx
+++ b/docs/library/10-03-2023/10-03-2023.pptx
@@ -24,6 +24,9 @@
     <p:sldId id="273" r:id="rId18"/>
     <p:sldId id="274" r:id="rId19"/>
     <p:sldId id="275" r:id="rId20"/>
+    <p:sldId id="276" r:id="rId21"/>
+    <p:sldId id="278" r:id="rId22"/>
+    <p:sldId id="277" r:id="rId23"/>
   </p:sldIdLst>
   <p:sldSz cx="12192000" cy="6858000"/>
   <p:notesSz cx="6858000" cy="9144000"/>
@@ -3838,7 +3841,7 @@
           <p:nvPr/>
         </p:nvPicPr>
         <p:blipFill>
-          <a:blip r:embed="rId2"/>
+          <a:blip r:embed="rId3"/>
           <a:stretch>
             <a:fillRect/>
           </a:stretch>
@@ -3906,6 +3909,63 @@
           </a:p>
         </p:txBody>
       </p:sp>
+      <p:graphicFrame>
+        <p:nvGraphicFramePr>
+          <p:cNvPr id="2" name="Object 1"/>
+          <p:cNvGraphicFramePr>
+            <a:graphicFrameLocks noChangeAspect="1"/>
+          </p:cNvGraphicFramePr>
+          <p:nvPr>
+            <p:extLst>
+              <p:ext uri="{D42A27DB-BD31-4B8C-83A1-F6EECF244321}">
+                <p14:modId xmlns:p14="http://schemas.microsoft.com/office/powerpoint/2010/main" val="1336193627"/>
+              </p:ext>
+            </p:extLst>
+          </p:nvPr>
+        </p:nvGraphicFramePr>
+        <p:xfrm>
+          <a:off x="4471850" y="4053167"/>
+          <a:ext cx="1333500" cy="533400"/>
+        </p:xfrm>
+        <a:graphic>
+          <a:graphicData uri="http://schemas.openxmlformats.org/presentationml/2006/ole">
+            <mc:AlternateContent xmlns:mc="http://schemas.openxmlformats.org/markup-compatibility/2006">
+              <mc:Choice xmlns:v="urn:schemas-microsoft-com:vml" Requires="v">
+                <p:oleObj spid="_x0000_s2052" name="Packager Shell Object" showAsIcon="1" r:id="rId4" imgW="1333800" imgH="532800" progId="Package">
+                  <p:embed/>
+                </p:oleObj>
+              </mc:Choice>
+              <mc:Fallback>
+                <p:oleObj name="Packager Shell Object" showAsIcon="1" r:id="rId4" imgW="1333800" imgH="532800" progId="Package">
+                  <p:embed/>
+                  <p:pic>
+                    <p:nvPicPr>
+                      <p:cNvPr id="0" name=""/>
+                      <p:cNvPicPr/>
+                      <p:nvPr/>
+                    </p:nvPicPr>
+                    <p:blipFill>
+                      <a:blip r:embed="rId5"/>
+                      <a:stretch>
+                        <a:fillRect/>
+                      </a:stretch>
+                    </p:blipFill>
+                    <p:spPr>
+                      <a:xfrm>
+                        <a:off x="4471850" y="4053167"/>
+                        <a:ext cx="1333500" cy="533400"/>
+                      </a:xfrm>
+                      <a:prstGeom prst="rect">
+                        <a:avLst/>
+                      </a:prstGeom>
+                    </p:spPr>
+                  </p:pic>
+                </p:oleObj>
+              </mc:Fallback>
+            </mc:AlternateContent>
+          </a:graphicData>
+        </a:graphic>
+      </p:graphicFrame>
     </p:spTree>
     <p:extLst>
       <p:ext uri="{BB962C8B-B14F-4D97-AF65-F5344CB8AC3E}">
@@ -22870,6 +22930,2161 @@
 </p:sld>
 </file>
 
+<file path=ppt/slides/slide20.xml><?xml version="1.0" encoding="utf-8"?>
+<p:sld xmlns:a="http://schemas.openxmlformats.org/drawingml/2006/main" xmlns:r="http://schemas.openxmlformats.org/officeDocument/2006/relationships" xmlns:p="http://schemas.openxmlformats.org/presentationml/2006/main">
+  <p:cSld>
+    <p:spTree>
+      <p:nvGrpSpPr>
+        <p:cNvPr id="1" name=""/>
+        <p:cNvGrpSpPr/>
+        <p:nvPr/>
+      </p:nvGrpSpPr>
+      <p:grpSpPr>
+        <a:xfrm>
+          <a:off x="0" y="0"/>
+          <a:ext cx="0" cy="0"/>
+          <a:chOff x="0" y="0"/>
+          <a:chExt cx="0" cy="0"/>
+        </a:xfrm>
+      </p:grpSpPr>
+      <p:sp>
+        <p:nvSpPr>
+          <p:cNvPr id="9" name="Rectangle 8">
+            <a:extLst>
+              <a:ext uri="{FF2B5EF4-FFF2-40B4-BE49-F238E27FC236}">
+                <a16:creationId xmlns:a16="http://schemas.microsoft.com/office/drawing/2014/main" id="{A8661CB0-6D83-46A5-940F-90EE942C77B4}"/>
+              </a:ext>
+            </a:extLst>
+          </p:cNvPr>
+          <p:cNvSpPr/>
+          <p:nvPr/>
+        </p:nvSpPr>
+        <p:spPr>
+          <a:xfrm>
+            <a:off x="0" y="0"/>
+            <a:ext cx="12192000" cy="853440"/>
+          </a:xfrm>
+          <a:prstGeom prst="rect">
+            <a:avLst/>
+          </a:prstGeom>
+          <a:solidFill>
+            <a:schemeClr val="tx1"/>
+          </a:solidFill>
+        </p:spPr>
+        <p:style>
+          <a:lnRef idx="2">
+            <a:schemeClr val="accent1">
+              <a:shade val="50000"/>
+            </a:schemeClr>
+          </a:lnRef>
+          <a:fillRef idx="1">
+            <a:schemeClr val="accent1"/>
+          </a:fillRef>
+          <a:effectRef idx="0">
+            <a:schemeClr val="accent1"/>
+          </a:effectRef>
+          <a:fontRef idx="minor">
+            <a:schemeClr val="lt1"/>
+          </a:fontRef>
+        </p:style>
+        <p:txBody>
+          <a:bodyPr rtlCol="0" anchor="ctr"/>
+          <a:lstStyle/>
+          <a:p>
+            <a:pPr algn="ctr"/>
+            <a:r>
+              <a:rPr lang="en-US" dirty="0"/>
+              <a:t>FBI</a:t>
+            </a:r>
+          </a:p>
+        </p:txBody>
+      </p:sp>
+      <p:sp>
+        <p:nvSpPr>
+          <p:cNvPr id="10" name="Rectangle 9">
+            <a:extLst>
+              <a:ext uri="{FF2B5EF4-FFF2-40B4-BE49-F238E27FC236}">
+                <a16:creationId xmlns:a16="http://schemas.microsoft.com/office/drawing/2014/main" id="{FE4A3CF1-189F-407A-BB21-E07A73CF3900}"/>
+              </a:ext>
+            </a:extLst>
+          </p:cNvPr>
+          <p:cNvSpPr/>
+          <p:nvPr/>
+        </p:nvSpPr>
+        <p:spPr>
+          <a:xfrm>
+            <a:off x="0" y="853440"/>
+            <a:ext cx="12192000" cy="264160"/>
+          </a:xfrm>
+          <a:prstGeom prst="rect">
+            <a:avLst/>
+          </a:prstGeom>
+          <a:solidFill>
+            <a:srgbClr val="FF0000"/>
+          </a:solidFill>
+        </p:spPr>
+        <p:style>
+          <a:lnRef idx="2">
+            <a:schemeClr val="accent1">
+              <a:shade val="50000"/>
+            </a:schemeClr>
+          </a:lnRef>
+          <a:fillRef idx="1">
+            <a:schemeClr val="accent1"/>
+          </a:fillRef>
+          <a:effectRef idx="0">
+            <a:schemeClr val="accent1"/>
+          </a:effectRef>
+          <a:fontRef idx="minor">
+            <a:schemeClr val="lt1"/>
+          </a:fontRef>
+        </p:style>
+        <p:txBody>
+          <a:bodyPr rtlCol="0" anchor="ctr"/>
+          <a:lstStyle/>
+          <a:p>
+            <a:pPr algn="ctr"/>
+            <a:r>
+              <a:rPr lang="en-US" dirty="0"/>
+              <a:t>DEVELOPMENT</a:t>
+            </a:r>
+          </a:p>
+        </p:txBody>
+      </p:sp>
+      <p:sp>
+        <p:nvSpPr>
+          <p:cNvPr id="11" name="Rectangle 10">
+            <a:extLst>
+              <a:ext uri="{FF2B5EF4-FFF2-40B4-BE49-F238E27FC236}">
+                <a16:creationId xmlns:a16="http://schemas.microsoft.com/office/drawing/2014/main" id="{FE4A3CF1-189F-407A-BB21-E07A73CF3900}"/>
+              </a:ext>
+            </a:extLst>
+          </p:cNvPr>
+          <p:cNvSpPr/>
+          <p:nvPr/>
+        </p:nvSpPr>
+        <p:spPr>
+          <a:xfrm>
+            <a:off x="0" y="1124409"/>
+            <a:ext cx="12192000" cy="264160"/>
+          </a:xfrm>
+          <a:prstGeom prst="rect">
+            <a:avLst/>
+          </a:prstGeom>
+          <a:solidFill>
+            <a:schemeClr val="bg2"/>
+          </a:solidFill>
+        </p:spPr>
+        <p:style>
+          <a:lnRef idx="2">
+            <a:schemeClr val="accent1">
+              <a:shade val="50000"/>
+            </a:schemeClr>
+          </a:lnRef>
+          <a:fillRef idx="1">
+            <a:schemeClr val="accent1"/>
+          </a:fillRef>
+          <a:effectRef idx="0">
+            <a:schemeClr val="accent1"/>
+          </a:effectRef>
+          <a:fontRef idx="minor">
+            <a:schemeClr val="lt1"/>
+          </a:fontRef>
+        </p:style>
+        <p:txBody>
+          <a:bodyPr rtlCol="0" anchor="ctr"/>
+          <a:lstStyle/>
+          <a:p>
+            <a:pPr algn="ctr"/>
+            <a:r>
+              <a:rPr lang="en-US" sz="800" strike="sngStrike" dirty="0" smtClean="0"/>
+              <a:t>Sleeping Outside</a:t>
+            </a:r>
+            <a:endParaRPr lang="en-US" sz="800" strike="sngStrike" dirty="0"/>
+          </a:p>
+        </p:txBody>
+      </p:sp>
+      <p:pic>
+        <p:nvPicPr>
+          <p:cNvPr id="2" name="Picture 1"/>
+          <p:cNvPicPr>
+            <a:picLocks noChangeAspect="1"/>
+          </p:cNvPicPr>
+          <p:nvPr/>
+        </p:nvPicPr>
+        <p:blipFill>
+          <a:blip r:embed="rId2" cstate="hqprint">
+            <a:extLst>
+              <a:ext uri="{28A0092B-C50C-407E-A947-70E740481C1C}">
+                <a14:useLocalDpi xmlns:a14="http://schemas.microsoft.com/office/drawing/2010/main" val="0"/>
+              </a:ext>
+            </a:extLst>
+          </a:blip>
+          <a:stretch>
+            <a:fillRect/>
+          </a:stretch>
+        </p:blipFill>
+        <p:spPr>
+          <a:xfrm>
+            <a:off x="1963984" y="2054472"/>
+            <a:ext cx="525927" cy="704850"/>
+          </a:xfrm>
+          <a:prstGeom prst="rect">
+            <a:avLst/>
+          </a:prstGeom>
+        </p:spPr>
+      </p:pic>
+      <p:pic>
+        <p:nvPicPr>
+          <p:cNvPr id="3" name="Picture 2"/>
+          <p:cNvPicPr>
+            <a:picLocks noChangeAspect="1"/>
+          </p:cNvPicPr>
+          <p:nvPr/>
+        </p:nvPicPr>
+        <p:blipFill>
+          <a:blip r:embed="rId3">
+            <a:extLst>
+              <a:ext uri="{28A0092B-C50C-407E-A947-70E740481C1C}">
+                <a14:useLocalDpi xmlns:a14="http://schemas.microsoft.com/office/drawing/2010/main" val="0"/>
+              </a:ext>
+            </a:extLst>
+          </a:blip>
+          <a:stretch>
+            <a:fillRect/>
+          </a:stretch>
+        </p:blipFill>
+        <p:spPr>
+          <a:xfrm>
+            <a:off x="3773362" y="2986986"/>
+            <a:ext cx="519785" cy="747712"/>
+          </a:xfrm>
+          <a:prstGeom prst="rect">
+            <a:avLst/>
+          </a:prstGeom>
+        </p:spPr>
+      </p:pic>
+      <p:pic>
+        <p:nvPicPr>
+          <p:cNvPr id="8" name="Picture 7"/>
+          <p:cNvPicPr>
+            <a:picLocks noChangeAspect="1"/>
+          </p:cNvPicPr>
+          <p:nvPr/>
+        </p:nvPicPr>
+        <p:blipFill>
+          <a:blip r:embed="rId4" cstate="hqprint">
+            <a:extLst>
+              <a:ext uri="{28A0092B-C50C-407E-A947-70E740481C1C}">
+                <a14:useLocalDpi xmlns:a14="http://schemas.microsoft.com/office/drawing/2010/main" val="0"/>
+              </a:ext>
+            </a:extLst>
+          </a:blip>
+          <a:stretch>
+            <a:fillRect/>
+          </a:stretch>
+        </p:blipFill>
+        <p:spPr>
+          <a:xfrm>
+            <a:off x="2771675" y="2054472"/>
+            <a:ext cx="524389" cy="700087"/>
+          </a:xfrm>
+          <a:prstGeom prst="rect">
+            <a:avLst/>
+          </a:prstGeom>
+        </p:spPr>
+      </p:pic>
+      <p:cxnSp>
+        <p:nvCxnSpPr>
+          <p:cNvPr id="18" name="Straight Connector 17"/>
+          <p:cNvCxnSpPr/>
+          <p:nvPr/>
+        </p:nvCxnSpPr>
+        <p:spPr>
+          <a:xfrm flipV="1">
+            <a:off x="1192696" y="1971040"/>
+            <a:ext cx="4214191" cy="807331"/>
+          </a:xfrm>
+          <a:prstGeom prst="line">
+            <a:avLst/>
+          </a:prstGeom>
+        </p:spPr>
+        <p:style>
+          <a:lnRef idx="1">
+            <a:schemeClr val="accent1"/>
+          </a:lnRef>
+          <a:fillRef idx="0">
+            <a:schemeClr val="accent1"/>
+          </a:fillRef>
+          <a:effectRef idx="0">
+            <a:schemeClr val="accent1"/>
+          </a:effectRef>
+          <a:fontRef idx="minor">
+            <a:schemeClr val="tx1"/>
+          </a:fontRef>
+        </p:style>
+      </p:cxnSp>
+      <p:sp>
+        <p:nvSpPr>
+          <p:cNvPr id="20" name="Rectangle 19"/>
+          <p:cNvSpPr/>
+          <p:nvPr/>
+        </p:nvSpPr>
+        <p:spPr>
+          <a:xfrm>
+            <a:off x="622852" y="1706880"/>
+            <a:ext cx="1126435" cy="453224"/>
+          </a:xfrm>
+          <a:prstGeom prst="rect">
+            <a:avLst/>
+          </a:prstGeom>
+        </p:spPr>
+        <p:style>
+          <a:lnRef idx="2">
+            <a:schemeClr val="accent1">
+              <a:shade val="50000"/>
+            </a:schemeClr>
+          </a:lnRef>
+          <a:fillRef idx="1">
+            <a:schemeClr val="accent1"/>
+          </a:fillRef>
+          <a:effectRef idx="0">
+            <a:schemeClr val="accent1"/>
+          </a:effectRef>
+          <a:fontRef idx="minor">
+            <a:schemeClr val="lt1"/>
+          </a:fontRef>
+        </p:style>
+        <p:txBody>
+          <a:bodyPr rtlCol="0" anchor="ctr"/>
+          <a:lstStyle/>
+          <a:p>
+            <a:pPr algn="ctr"/>
+            <a:r>
+              <a:rPr lang="en-US" dirty="0" smtClean="0"/>
+              <a:t>CHART</a:t>
+            </a:r>
+            <a:endParaRPr lang="en-US" dirty="0"/>
+          </a:p>
+        </p:txBody>
+      </p:sp>
+      <p:sp>
+        <p:nvSpPr>
+          <p:cNvPr id="21" name="Rectangle 20"/>
+          <p:cNvSpPr/>
+          <p:nvPr/>
+        </p:nvSpPr>
+        <p:spPr>
+          <a:xfrm>
+            <a:off x="516835" y="2160104"/>
+            <a:ext cx="1232452" cy="834887"/>
+          </a:xfrm>
+          <a:prstGeom prst="rect">
+            <a:avLst/>
+          </a:prstGeom>
+          <a:solidFill>
+            <a:schemeClr val="bg1"/>
+          </a:solidFill>
+        </p:spPr>
+        <p:style>
+          <a:lnRef idx="2">
+            <a:schemeClr val="accent1">
+              <a:shade val="50000"/>
+            </a:schemeClr>
+          </a:lnRef>
+          <a:fillRef idx="1">
+            <a:schemeClr val="accent1"/>
+          </a:fillRef>
+          <a:effectRef idx="0">
+            <a:schemeClr val="accent1"/>
+          </a:effectRef>
+          <a:fontRef idx="minor">
+            <a:schemeClr val="lt1"/>
+          </a:fontRef>
+        </p:style>
+        <p:txBody>
+          <a:bodyPr rtlCol="0" anchor="ctr"/>
+          <a:lstStyle/>
+          <a:p>
+            <a:pPr algn="ctr"/>
+            <a:endParaRPr lang="en-US"/>
+          </a:p>
+        </p:txBody>
+      </p:sp>
+      <p:sp>
+        <p:nvSpPr>
+          <p:cNvPr id="22" name="TextBox 21"/>
+          <p:cNvSpPr txBox="1"/>
+          <p:nvPr/>
+        </p:nvSpPr>
+        <p:spPr>
+          <a:xfrm>
+            <a:off x="516835" y="2284571"/>
+            <a:ext cx="1222835" cy="369332"/>
+          </a:xfrm>
+          <a:prstGeom prst="rect">
+            <a:avLst/>
+          </a:prstGeom>
+          <a:noFill/>
+        </p:spPr>
+        <p:txBody>
+          <a:bodyPr wrap="none" rtlCol="0">
+            <a:spAutoFit/>
+          </a:bodyPr>
+          <a:lstStyle/>
+          <a:p>
+            <a:r>
+              <a:rPr lang="en-US" dirty="0" smtClean="0"/>
+              <a:t>INTERUPTS</a:t>
+            </a:r>
+            <a:endParaRPr lang="en-US" dirty="0"/>
+          </a:p>
+        </p:txBody>
+      </p:sp>
+      <p:sp>
+        <p:nvSpPr>
+          <p:cNvPr id="23" name="TextBox 22"/>
+          <p:cNvSpPr txBox="1"/>
+          <p:nvPr/>
+        </p:nvSpPr>
+        <p:spPr>
+          <a:xfrm>
+            <a:off x="3564834" y="4533890"/>
+            <a:ext cx="3490379" cy="369332"/>
+          </a:xfrm>
+          <a:prstGeom prst="rect">
+            <a:avLst/>
+          </a:prstGeom>
+          <a:noFill/>
+        </p:spPr>
+        <p:txBody>
+          <a:bodyPr wrap="none" rtlCol="0">
+            <a:spAutoFit/>
+          </a:bodyPr>
+          <a:lstStyle/>
+          <a:p>
+            <a:r>
+              <a:rPr lang="en-US" strike="sngStrike" dirty="0" err="1" smtClean="0"/>
+              <a:t>Raik.St</a:t>
+            </a:r>
+            <a:r>
+              <a:rPr lang="en-US" strike="sngStrike" dirty="0" smtClean="0"/>
+              <a:t> </a:t>
+            </a:r>
+            <a:r>
+              <a:rPr lang="en-US" strike="sngStrike" dirty="0" err="1" smtClean="0"/>
+              <a:t>Andrew</a:t>
+            </a:r>
+            <a:r>
+              <a:rPr lang="en-US" dirty="0" err="1" smtClean="0"/>
+              <a:t>.FBI.</a:t>
+            </a:r>
+            <a:r>
+              <a:rPr lang="en-US" strike="sngStrike" dirty="0" err="1" smtClean="0"/>
+              <a:t>marx</a:t>
+            </a:r>
+            <a:r>
+              <a:rPr lang="en-US" strike="sngStrike" dirty="0" smtClean="0"/>
+              <a:t>(</a:t>
+            </a:r>
+            <a:r>
+              <a:rPr lang="en-US" strike="sngStrike" dirty="0" err="1" smtClean="0"/>
+              <a:t>pinebook</a:t>
+            </a:r>
+            <a:r>
+              <a:rPr lang="en-US" dirty="0" smtClean="0"/>
+              <a:t>)</a:t>
+            </a:r>
+            <a:endParaRPr lang="en-US" dirty="0"/>
+          </a:p>
+        </p:txBody>
+      </p:sp>
+      <p:sp>
+        <p:nvSpPr>
+          <p:cNvPr id="24" name="TextBox 23"/>
+          <p:cNvSpPr txBox="1"/>
+          <p:nvPr/>
+        </p:nvSpPr>
+        <p:spPr>
+          <a:xfrm>
+            <a:off x="3657600" y="4061710"/>
+            <a:ext cx="3085653" cy="369332"/>
+          </a:xfrm>
+          <a:prstGeom prst="rect">
+            <a:avLst/>
+          </a:prstGeom>
+          <a:noFill/>
+        </p:spPr>
+        <p:txBody>
+          <a:bodyPr wrap="none" rtlCol="0">
+            <a:spAutoFit/>
+          </a:bodyPr>
+          <a:lstStyle/>
+          <a:p>
+            <a:r>
+              <a:rPr lang="en-US" dirty="0" smtClean="0"/>
+              <a:t>NAME CHANGE(</a:t>
+            </a:r>
+            <a:r>
+              <a:rPr lang="en-US" strike="sngStrike" dirty="0" err="1" smtClean="0"/>
+              <a:t>ibm</a:t>
+            </a:r>
+            <a:r>
+              <a:rPr lang="en-US" strike="sngStrike" dirty="0" smtClean="0"/>
+              <a:t> free pizza)</a:t>
+            </a:r>
+            <a:endParaRPr lang="en-US" strike="sngStrike" dirty="0"/>
+          </a:p>
+        </p:txBody>
+      </p:sp>
+      <p:sp>
+        <p:nvSpPr>
+          <p:cNvPr id="25" name="Rectangle 24"/>
+          <p:cNvSpPr/>
+          <p:nvPr/>
+        </p:nvSpPr>
+        <p:spPr>
+          <a:xfrm>
+            <a:off x="5200426" y="4246376"/>
+            <a:ext cx="2535309" cy="369332"/>
+          </a:xfrm>
+          <a:prstGeom prst="rect">
+            <a:avLst/>
+          </a:prstGeom>
+        </p:spPr>
+        <p:txBody>
+          <a:bodyPr wrap="none">
+            <a:spAutoFit/>
+          </a:bodyPr>
+          <a:lstStyle/>
+          <a:p>
+            <a:r>
+              <a:rPr lang="en-US" strike="sngStrike" dirty="0" err="1"/>
+              <a:t>itil</a:t>
+            </a:r>
+            <a:r>
+              <a:rPr lang="en-US" strike="sngStrike" dirty="0"/>
+              <a:t> book cartoons animas</a:t>
+            </a:r>
+          </a:p>
+        </p:txBody>
+      </p:sp>
+      <p:sp>
+        <p:nvSpPr>
+          <p:cNvPr id="26" name="TextBox 25"/>
+          <p:cNvSpPr txBox="1"/>
+          <p:nvPr/>
+        </p:nvSpPr>
+        <p:spPr>
+          <a:xfrm>
+            <a:off x="4293147" y="3176176"/>
+            <a:ext cx="1630575" cy="369332"/>
+          </a:xfrm>
+          <a:prstGeom prst="rect">
+            <a:avLst/>
+          </a:prstGeom>
+          <a:noFill/>
+        </p:spPr>
+        <p:txBody>
+          <a:bodyPr wrap="none" rtlCol="0">
+            <a:spAutoFit/>
+          </a:bodyPr>
+          <a:lstStyle/>
+          <a:p>
+            <a:r>
+              <a:rPr lang="en-US" dirty="0" smtClean="0"/>
+              <a:t>Nina </a:t>
+            </a:r>
+            <a:r>
+              <a:rPr lang="en-US" dirty="0" err="1" smtClean="0"/>
+              <a:t>Musshiani</a:t>
+            </a:r>
+            <a:endParaRPr lang="en-US" dirty="0"/>
+          </a:p>
+        </p:txBody>
+      </p:sp>
+      <p:cxnSp>
+        <p:nvCxnSpPr>
+          <p:cNvPr id="28" name="Straight Connector 27"/>
+          <p:cNvCxnSpPr/>
+          <p:nvPr/>
+        </p:nvCxnSpPr>
+        <p:spPr>
+          <a:xfrm flipV="1">
+            <a:off x="1378226" y="2943623"/>
+            <a:ext cx="10482470" cy="43363"/>
+          </a:xfrm>
+          <a:prstGeom prst="line">
+            <a:avLst/>
+          </a:prstGeom>
+        </p:spPr>
+        <p:style>
+          <a:lnRef idx="1">
+            <a:schemeClr val="accent1"/>
+          </a:lnRef>
+          <a:fillRef idx="0">
+            <a:schemeClr val="accent1"/>
+          </a:fillRef>
+          <a:effectRef idx="0">
+            <a:schemeClr val="accent1"/>
+          </a:effectRef>
+          <a:fontRef idx="minor">
+            <a:schemeClr val="tx1"/>
+          </a:fontRef>
+        </p:style>
+      </p:cxnSp>
+      <p:cxnSp>
+        <p:nvCxnSpPr>
+          <p:cNvPr id="30" name="Straight Connector 29"/>
+          <p:cNvCxnSpPr/>
+          <p:nvPr/>
+        </p:nvCxnSpPr>
+        <p:spPr>
+          <a:xfrm flipV="1">
+            <a:off x="1378226" y="3880525"/>
+            <a:ext cx="10482470" cy="43363"/>
+          </a:xfrm>
+          <a:prstGeom prst="line">
+            <a:avLst/>
+          </a:prstGeom>
+        </p:spPr>
+        <p:style>
+          <a:lnRef idx="1">
+            <a:schemeClr val="accent1"/>
+          </a:lnRef>
+          <a:fillRef idx="0">
+            <a:schemeClr val="accent1"/>
+          </a:fillRef>
+          <a:effectRef idx="0">
+            <a:schemeClr val="accent1"/>
+          </a:effectRef>
+          <a:fontRef idx="minor">
+            <a:schemeClr val="tx1"/>
+          </a:fontRef>
+        </p:style>
+      </p:cxnSp>
+      <p:cxnSp>
+        <p:nvCxnSpPr>
+          <p:cNvPr id="31" name="Straight Connector 30"/>
+          <p:cNvCxnSpPr/>
+          <p:nvPr/>
+        </p:nvCxnSpPr>
+        <p:spPr>
+          <a:xfrm flipV="1">
+            <a:off x="1128252" y="4999702"/>
+            <a:ext cx="10482470" cy="43363"/>
+          </a:xfrm>
+          <a:prstGeom prst="line">
+            <a:avLst/>
+          </a:prstGeom>
+        </p:spPr>
+        <p:style>
+          <a:lnRef idx="1">
+            <a:schemeClr val="accent1"/>
+          </a:lnRef>
+          <a:fillRef idx="0">
+            <a:schemeClr val="accent1"/>
+          </a:fillRef>
+          <a:effectRef idx="0">
+            <a:schemeClr val="accent1"/>
+          </a:effectRef>
+          <a:fontRef idx="minor">
+            <a:schemeClr val="tx1"/>
+          </a:fontRef>
+        </p:style>
+      </p:cxnSp>
+      <p:sp>
+        <p:nvSpPr>
+          <p:cNvPr id="33" name="TextBox 32"/>
+          <p:cNvSpPr txBox="1"/>
+          <p:nvPr/>
+        </p:nvSpPr>
+        <p:spPr>
+          <a:xfrm>
+            <a:off x="3451556" y="5102550"/>
+            <a:ext cx="3085653" cy="369332"/>
+          </a:xfrm>
+          <a:prstGeom prst="rect">
+            <a:avLst/>
+          </a:prstGeom>
+          <a:noFill/>
+        </p:spPr>
+        <p:txBody>
+          <a:bodyPr wrap="none" rtlCol="0">
+            <a:spAutoFit/>
+          </a:bodyPr>
+          <a:lstStyle/>
+          <a:p>
+            <a:r>
+              <a:rPr lang="en-US" dirty="0" smtClean="0"/>
+              <a:t>NAME CHANGE(</a:t>
+            </a:r>
+            <a:r>
+              <a:rPr lang="en-US" strike="sngStrike" dirty="0" err="1" smtClean="0"/>
+              <a:t>ibm</a:t>
+            </a:r>
+            <a:r>
+              <a:rPr lang="en-US" strike="sngStrike" dirty="0" smtClean="0"/>
+              <a:t> free pizza)</a:t>
+            </a:r>
+            <a:endParaRPr lang="en-US" strike="sngStrike" dirty="0"/>
+          </a:p>
+        </p:txBody>
+      </p:sp>
+      <p:sp>
+        <p:nvSpPr>
+          <p:cNvPr id="34" name="Rectangle 33"/>
+          <p:cNvSpPr/>
+          <p:nvPr/>
+        </p:nvSpPr>
+        <p:spPr>
+          <a:xfrm>
+            <a:off x="4994382" y="5287216"/>
+            <a:ext cx="2535309" cy="369332"/>
+          </a:xfrm>
+          <a:prstGeom prst="rect">
+            <a:avLst/>
+          </a:prstGeom>
+        </p:spPr>
+        <p:txBody>
+          <a:bodyPr wrap="none">
+            <a:spAutoFit/>
+          </a:bodyPr>
+          <a:lstStyle/>
+          <a:p>
+            <a:r>
+              <a:rPr lang="en-US" strike="sngStrike" dirty="0" err="1"/>
+              <a:t>itil</a:t>
+            </a:r>
+            <a:r>
+              <a:rPr lang="en-US" strike="sngStrike" dirty="0"/>
+              <a:t> book cartoons animas</a:t>
+            </a:r>
+          </a:p>
+        </p:txBody>
+      </p:sp>
+      <p:cxnSp>
+        <p:nvCxnSpPr>
+          <p:cNvPr id="35" name="Straight Connector 34"/>
+          <p:cNvCxnSpPr/>
+          <p:nvPr/>
+        </p:nvCxnSpPr>
+        <p:spPr>
+          <a:xfrm flipV="1">
+            <a:off x="1128252" y="5857336"/>
+            <a:ext cx="10482470" cy="43363"/>
+          </a:xfrm>
+          <a:prstGeom prst="line">
+            <a:avLst/>
+          </a:prstGeom>
+        </p:spPr>
+        <p:style>
+          <a:lnRef idx="1">
+            <a:schemeClr val="accent1"/>
+          </a:lnRef>
+          <a:fillRef idx="0">
+            <a:schemeClr val="accent1"/>
+          </a:fillRef>
+          <a:effectRef idx="0">
+            <a:schemeClr val="accent1"/>
+          </a:effectRef>
+          <a:fontRef idx="minor">
+            <a:schemeClr val="tx1"/>
+          </a:fontRef>
+        </p:style>
+      </p:cxnSp>
+      <p:sp>
+        <p:nvSpPr>
+          <p:cNvPr id="36" name="Rectangle 35">
+            <a:extLst>
+              <a:ext uri="{FF2B5EF4-FFF2-40B4-BE49-F238E27FC236}">
+                <a16:creationId xmlns:a16="http://schemas.microsoft.com/office/drawing/2014/main" id="{D1820E72-E12F-4878-BD40-FAA99F6C323C}"/>
+              </a:ext>
+            </a:extLst>
+          </p:cNvPr>
+          <p:cNvSpPr/>
+          <p:nvPr/>
+        </p:nvSpPr>
+        <p:spPr>
+          <a:xfrm flipH="1">
+            <a:off x="1845687" y="1711832"/>
+            <a:ext cx="9219878" cy="4188867"/>
+          </a:xfrm>
+          <a:prstGeom prst="rect">
+            <a:avLst/>
+          </a:prstGeom>
+          <a:solidFill>
+            <a:srgbClr val="FFFFFF">
+              <a:alpha val="89804"/>
+            </a:srgbClr>
+          </a:solidFill>
+          <a:ln>
+            <a:solidFill>
+              <a:srgbClr val="FF0000"/>
+            </a:solidFill>
+            <a:prstDash val="sysDash"/>
+          </a:ln>
+        </p:spPr>
+        <p:style>
+          <a:lnRef idx="2">
+            <a:schemeClr val="accent1">
+              <a:shade val="50000"/>
+            </a:schemeClr>
+          </a:lnRef>
+          <a:fillRef idx="1">
+            <a:schemeClr val="accent1"/>
+          </a:fillRef>
+          <a:effectRef idx="0">
+            <a:schemeClr val="accent1"/>
+          </a:effectRef>
+          <a:fontRef idx="minor">
+            <a:schemeClr val="lt1"/>
+          </a:fontRef>
+        </p:style>
+        <p:txBody>
+          <a:bodyPr rtlCol="0" anchor="ctr"/>
+          <a:lstStyle/>
+          <a:p>
+            <a:pPr algn="ctr"/>
+            <a:endParaRPr lang="en-US"/>
+          </a:p>
+        </p:txBody>
+      </p:sp>
+      <p:sp>
+        <p:nvSpPr>
+          <p:cNvPr id="4" name="TextBox 3"/>
+          <p:cNvSpPr txBox="1"/>
+          <p:nvPr/>
+        </p:nvSpPr>
+        <p:spPr>
+          <a:xfrm>
+            <a:off x="8299417" y="1678652"/>
+            <a:ext cx="3821559" cy="584775"/>
+          </a:xfrm>
+          <a:prstGeom prst="rect">
+            <a:avLst/>
+          </a:prstGeom>
+          <a:solidFill>
+            <a:schemeClr val="accent6"/>
+          </a:solidFill>
+        </p:spPr>
+        <p:txBody>
+          <a:bodyPr wrap="none" rtlCol="0">
+            <a:spAutoFit/>
+          </a:bodyPr>
+          <a:lstStyle/>
+          <a:p>
+            <a:r>
+              <a:rPr lang="en-US" sz="3200" dirty="0" smtClean="0">
+                <a:solidFill>
+                  <a:schemeClr val="bg1"/>
+                </a:solidFill>
+              </a:rPr>
+              <a:t>VIRGINA.ATOMCLOCK</a:t>
+            </a:r>
+            <a:endParaRPr lang="en-US" sz="3200" dirty="0">
+              <a:solidFill>
+                <a:schemeClr val="bg1"/>
+              </a:solidFill>
+            </a:endParaRPr>
+          </a:p>
+        </p:txBody>
+      </p:sp>
+    </p:spTree>
+    <p:extLst>
+      <p:ext uri="{BB962C8B-B14F-4D97-AF65-F5344CB8AC3E}">
+        <p14:creationId xmlns:p14="http://schemas.microsoft.com/office/powerpoint/2010/main" val="2337471995"/>
+      </p:ext>
+    </p:extLst>
+  </p:cSld>
+  <p:clrMapOvr>
+    <a:masterClrMapping/>
+  </p:clrMapOvr>
+</p:sld>
+</file>
+
+<file path=ppt/slides/slide21.xml><?xml version="1.0" encoding="utf-8"?>
+<p:sld xmlns:a="http://schemas.openxmlformats.org/drawingml/2006/main" xmlns:r="http://schemas.openxmlformats.org/officeDocument/2006/relationships" xmlns:p="http://schemas.openxmlformats.org/presentationml/2006/main">
+  <p:cSld>
+    <p:spTree>
+      <p:nvGrpSpPr>
+        <p:cNvPr id="1" name=""/>
+        <p:cNvGrpSpPr/>
+        <p:nvPr/>
+      </p:nvGrpSpPr>
+      <p:grpSpPr>
+        <a:xfrm>
+          <a:off x="0" y="0"/>
+          <a:ext cx="0" cy="0"/>
+          <a:chOff x="0" y="0"/>
+          <a:chExt cx="0" cy="0"/>
+        </a:xfrm>
+      </p:grpSpPr>
+      <p:sp>
+        <p:nvSpPr>
+          <p:cNvPr id="9" name="Rectangle 8">
+            <a:extLst>
+              <a:ext uri="{FF2B5EF4-FFF2-40B4-BE49-F238E27FC236}">
+                <a16:creationId xmlns:a16="http://schemas.microsoft.com/office/drawing/2014/main" id="{A8661CB0-6D83-46A5-940F-90EE942C77B4}"/>
+              </a:ext>
+            </a:extLst>
+          </p:cNvPr>
+          <p:cNvSpPr/>
+          <p:nvPr/>
+        </p:nvSpPr>
+        <p:spPr>
+          <a:xfrm>
+            <a:off x="0" y="0"/>
+            <a:ext cx="12192000" cy="853440"/>
+          </a:xfrm>
+          <a:prstGeom prst="rect">
+            <a:avLst/>
+          </a:prstGeom>
+          <a:solidFill>
+            <a:schemeClr val="tx1"/>
+          </a:solidFill>
+        </p:spPr>
+        <p:style>
+          <a:lnRef idx="2">
+            <a:schemeClr val="accent1">
+              <a:shade val="50000"/>
+            </a:schemeClr>
+          </a:lnRef>
+          <a:fillRef idx="1">
+            <a:schemeClr val="accent1"/>
+          </a:fillRef>
+          <a:effectRef idx="0">
+            <a:schemeClr val="accent1"/>
+          </a:effectRef>
+          <a:fontRef idx="minor">
+            <a:schemeClr val="lt1"/>
+          </a:fontRef>
+        </p:style>
+        <p:txBody>
+          <a:bodyPr rtlCol="0" anchor="ctr"/>
+          <a:lstStyle/>
+          <a:p>
+            <a:pPr algn="ctr"/>
+            <a:r>
+              <a:rPr lang="en-US" dirty="0"/>
+              <a:t>FBI</a:t>
+            </a:r>
+          </a:p>
+        </p:txBody>
+      </p:sp>
+      <p:sp>
+        <p:nvSpPr>
+          <p:cNvPr id="10" name="Rectangle 9">
+            <a:extLst>
+              <a:ext uri="{FF2B5EF4-FFF2-40B4-BE49-F238E27FC236}">
+                <a16:creationId xmlns:a16="http://schemas.microsoft.com/office/drawing/2014/main" id="{FE4A3CF1-189F-407A-BB21-E07A73CF3900}"/>
+              </a:ext>
+            </a:extLst>
+          </p:cNvPr>
+          <p:cNvSpPr/>
+          <p:nvPr/>
+        </p:nvSpPr>
+        <p:spPr>
+          <a:xfrm>
+            <a:off x="0" y="853440"/>
+            <a:ext cx="12192000" cy="264160"/>
+          </a:xfrm>
+          <a:prstGeom prst="rect">
+            <a:avLst/>
+          </a:prstGeom>
+          <a:solidFill>
+            <a:srgbClr val="FF0000"/>
+          </a:solidFill>
+        </p:spPr>
+        <p:style>
+          <a:lnRef idx="2">
+            <a:schemeClr val="accent1">
+              <a:shade val="50000"/>
+            </a:schemeClr>
+          </a:lnRef>
+          <a:fillRef idx="1">
+            <a:schemeClr val="accent1"/>
+          </a:fillRef>
+          <a:effectRef idx="0">
+            <a:schemeClr val="accent1"/>
+          </a:effectRef>
+          <a:fontRef idx="minor">
+            <a:schemeClr val="lt1"/>
+          </a:fontRef>
+        </p:style>
+        <p:txBody>
+          <a:bodyPr rtlCol="0" anchor="ctr"/>
+          <a:lstStyle/>
+          <a:p>
+            <a:pPr algn="ctr"/>
+            <a:r>
+              <a:rPr lang="en-US" dirty="0"/>
+              <a:t>DEVELOPMENT</a:t>
+            </a:r>
+          </a:p>
+        </p:txBody>
+      </p:sp>
+      <p:sp>
+        <p:nvSpPr>
+          <p:cNvPr id="11" name="Rectangle 10">
+            <a:extLst>
+              <a:ext uri="{FF2B5EF4-FFF2-40B4-BE49-F238E27FC236}">
+                <a16:creationId xmlns:a16="http://schemas.microsoft.com/office/drawing/2014/main" id="{FE4A3CF1-189F-407A-BB21-E07A73CF3900}"/>
+              </a:ext>
+            </a:extLst>
+          </p:cNvPr>
+          <p:cNvSpPr/>
+          <p:nvPr/>
+        </p:nvSpPr>
+        <p:spPr>
+          <a:xfrm>
+            <a:off x="0" y="1124409"/>
+            <a:ext cx="12192000" cy="264160"/>
+          </a:xfrm>
+          <a:prstGeom prst="rect">
+            <a:avLst/>
+          </a:prstGeom>
+          <a:solidFill>
+            <a:schemeClr val="bg2"/>
+          </a:solidFill>
+        </p:spPr>
+        <p:style>
+          <a:lnRef idx="2">
+            <a:schemeClr val="accent1">
+              <a:shade val="50000"/>
+            </a:schemeClr>
+          </a:lnRef>
+          <a:fillRef idx="1">
+            <a:schemeClr val="accent1"/>
+          </a:fillRef>
+          <a:effectRef idx="0">
+            <a:schemeClr val="accent1"/>
+          </a:effectRef>
+          <a:fontRef idx="minor">
+            <a:schemeClr val="lt1"/>
+          </a:fontRef>
+        </p:style>
+        <p:txBody>
+          <a:bodyPr rtlCol="0" anchor="ctr"/>
+          <a:lstStyle/>
+          <a:p>
+            <a:pPr algn="ctr"/>
+            <a:r>
+              <a:rPr lang="en-US" sz="800" strike="sngStrike" dirty="0" smtClean="0"/>
+              <a:t>Sleeping Outside</a:t>
+            </a:r>
+            <a:endParaRPr lang="en-US" sz="800" strike="sngStrike" dirty="0"/>
+          </a:p>
+        </p:txBody>
+      </p:sp>
+      <p:pic>
+        <p:nvPicPr>
+          <p:cNvPr id="2" name="Picture 1"/>
+          <p:cNvPicPr>
+            <a:picLocks noChangeAspect="1"/>
+          </p:cNvPicPr>
+          <p:nvPr/>
+        </p:nvPicPr>
+        <p:blipFill>
+          <a:blip r:embed="rId3"/>
+          <a:stretch>
+            <a:fillRect/>
+          </a:stretch>
+        </p:blipFill>
+        <p:spPr>
+          <a:xfrm>
+            <a:off x="1356691" y="2091565"/>
+            <a:ext cx="2057400" cy="2409825"/>
+          </a:xfrm>
+          <a:prstGeom prst="rect">
+            <a:avLst/>
+          </a:prstGeom>
+        </p:spPr>
+      </p:pic>
+      <p:graphicFrame>
+        <p:nvGraphicFramePr>
+          <p:cNvPr id="4" name="Object 3"/>
+          <p:cNvGraphicFramePr>
+            <a:graphicFrameLocks noChangeAspect="1"/>
+          </p:cNvGraphicFramePr>
+          <p:nvPr>
+            <p:extLst>
+              <p:ext uri="{D42A27DB-BD31-4B8C-83A1-F6EECF244321}">
+                <p14:modId xmlns:p14="http://schemas.microsoft.com/office/powerpoint/2010/main" val="3377623511"/>
+              </p:ext>
+            </p:extLst>
+          </p:nvPr>
+        </p:nvGraphicFramePr>
+        <p:xfrm>
+          <a:off x="4988133" y="2522814"/>
+          <a:ext cx="958850" cy="533400"/>
+        </p:xfrm>
+        <a:graphic>
+          <a:graphicData uri="http://schemas.openxmlformats.org/presentationml/2006/ole">
+            <mc:AlternateContent xmlns:mc="http://schemas.openxmlformats.org/markup-compatibility/2006">
+              <mc:Choice xmlns:v="urn:schemas-microsoft-com:vml" Requires="v">
+                <p:oleObj spid="_x0000_s3074" name="Packager Shell Object" showAsIcon="1" r:id="rId4" imgW="958320" imgH="532800" progId="Package">
+                  <p:embed/>
+                </p:oleObj>
+              </mc:Choice>
+              <mc:Fallback>
+                <p:oleObj name="Packager Shell Object" showAsIcon="1" r:id="rId4" imgW="958320" imgH="532800" progId="Package">
+                  <p:embed/>
+                  <p:pic>
+                    <p:nvPicPr>
+                      <p:cNvPr id="0" name=""/>
+                      <p:cNvPicPr/>
+                      <p:nvPr/>
+                    </p:nvPicPr>
+                    <p:blipFill>
+                      <a:blip r:embed="rId5"/>
+                      <a:stretch>
+                        <a:fillRect/>
+                      </a:stretch>
+                    </p:blipFill>
+                    <p:spPr>
+                      <a:xfrm>
+                        <a:off x="4988133" y="2522814"/>
+                        <a:ext cx="958850" cy="533400"/>
+                      </a:xfrm>
+                      <a:prstGeom prst="rect">
+                        <a:avLst/>
+                      </a:prstGeom>
+                    </p:spPr>
+                  </p:pic>
+                </p:oleObj>
+              </mc:Fallback>
+            </mc:AlternateContent>
+          </a:graphicData>
+        </a:graphic>
+      </p:graphicFrame>
+    </p:spTree>
+    <p:extLst>
+      <p:ext uri="{BB962C8B-B14F-4D97-AF65-F5344CB8AC3E}">
+        <p14:creationId xmlns:p14="http://schemas.microsoft.com/office/powerpoint/2010/main" val="567187463"/>
+      </p:ext>
+    </p:extLst>
+  </p:cSld>
+  <p:clrMapOvr>
+    <a:masterClrMapping/>
+  </p:clrMapOvr>
+</p:sld>
+</file>
+
+<file path=ppt/slides/slide22.xml><?xml version="1.0" encoding="utf-8"?>
+<p:sld xmlns:a="http://schemas.openxmlformats.org/drawingml/2006/main" xmlns:r="http://schemas.openxmlformats.org/officeDocument/2006/relationships" xmlns:p="http://schemas.openxmlformats.org/presentationml/2006/main">
+  <p:cSld>
+    <p:spTree>
+      <p:nvGrpSpPr>
+        <p:cNvPr id="1" name=""/>
+        <p:cNvGrpSpPr/>
+        <p:nvPr/>
+      </p:nvGrpSpPr>
+      <p:grpSpPr>
+        <a:xfrm>
+          <a:off x="0" y="0"/>
+          <a:ext cx="0" cy="0"/>
+          <a:chOff x="0" y="0"/>
+          <a:chExt cx="0" cy="0"/>
+        </a:xfrm>
+      </p:grpSpPr>
+      <p:pic>
+        <p:nvPicPr>
+          <p:cNvPr id="4" name="Picture 3"/>
+          <p:cNvPicPr>
+            <a:picLocks noChangeAspect="1"/>
+          </p:cNvPicPr>
+          <p:nvPr/>
+        </p:nvPicPr>
+        <p:blipFill>
+          <a:blip r:embed="rId2"/>
+          <a:stretch>
+            <a:fillRect/>
+          </a:stretch>
+        </p:blipFill>
+        <p:spPr>
+          <a:xfrm>
+            <a:off x="283796" y="1782704"/>
+            <a:ext cx="3123682" cy="3073300"/>
+          </a:xfrm>
+          <a:prstGeom prst="rect">
+            <a:avLst/>
+          </a:prstGeom>
+        </p:spPr>
+      </p:pic>
+      <p:pic>
+        <p:nvPicPr>
+          <p:cNvPr id="5" name="Picture 4"/>
+          <p:cNvPicPr>
+            <a:picLocks noChangeAspect="1"/>
+          </p:cNvPicPr>
+          <p:nvPr/>
+        </p:nvPicPr>
+        <p:blipFill>
+          <a:blip r:embed="rId3">
+            <a:extLst>
+              <a:ext uri="{28A0092B-C50C-407E-A947-70E740481C1C}">
+                <a14:useLocalDpi xmlns:a14="http://schemas.microsoft.com/office/drawing/2010/main" val="0"/>
+              </a:ext>
+            </a:extLst>
+          </a:blip>
+          <a:stretch>
+            <a:fillRect/>
+          </a:stretch>
+        </p:blipFill>
+        <p:spPr>
+          <a:xfrm>
+            <a:off x="4717823" y="3174503"/>
+            <a:ext cx="3102252" cy="1623887"/>
+          </a:xfrm>
+          <a:prstGeom prst="rect">
+            <a:avLst/>
+          </a:prstGeom>
+        </p:spPr>
+      </p:pic>
+      <p:sp>
+        <p:nvSpPr>
+          <p:cNvPr id="6" name="TextBox 5"/>
+          <p:cNvSpPr txBox="1"/>
+          <p:nvPr/>
+        </p:nvSpPr>
+        <p:spPr>
+          <a:xfrm>
+            <a:off x="4024598" y="1974407"/>
+            <a:ext cx="652743" cy="369332"/>
+          </a:xfrm>
+          <a:prstGeom prst="rect">
+            <a:avLst/>
+          </a:prstGeom>
+          <a:noFill/>
+        </p:spPr>
+        <p:txBody>
+          <a:bodyPr wrap="none" rtlCol="0">
+            <a:spAutoFit/>
+          </a:bodyPr>
+          <a:lstStyle/>
+          <a:p>
+            <a:r>
+              <a:rPr lang="en-US" dirty="0" smtClean="0"/>
+              <a:t>1943</a:t>
+            </a:r>
+            <a:endParaRPr lang="en-US" dirty="0"/>
+          </a:p>
+        </p:txBody>
+      </p:sp>
+      <p:sp>
+        <p:nvSpPr>
+          <p:cNvPr id="7" name="TextBox 6"/>
+          <p:cNvSpPr txBox="1"/>
+          <p:nvPr/>
+        </p:nvSpPr>
+        <p:spPr>
+          <a:xfrm>
+            <a:off x="768626" y="4810539"/>
+            <a:ext cx="7510389" cy="369332"/>
+          </a:xfrm>
+          <a:prstGeom prst="rect">
+            <a:avLst/>
+          </a:prstGeom>
+          <a:noFill/>
+        </p:spPr>
+        <p:txBody>
+          <a:bodyPr wrap="none" rtlCol="0">
+            <a:spAutoFit/>
+          </a:bodyPr>
+          <a:lstStyle/>
+          <a:p>
+            <a:r>
+              <a:rPr lang="en-US" dirty="0" err="1" smtClean="0"/>
+              <a:t>nonPOliceRTA.FIB:WMD:DUBLIN</a:t>
+            </a:r>
+            <a:r>
+              <a:rPr lang="en-US" dirty="0" smtClean="0"/>
+              <a:t> </a:t>
+            </a:r>
+            <a:r>
+              <a:rPr lang="en-US" strike="sngStrike" dirty="0" smtClean="0"/>
+              <a:t>swimming pictures, sport </a:t>
+            </a:r>
+            <a:r>
+              <a:rPr lang="en-US" dirty="0" smtClean="0"/>
+              <a:t>v2:FBI:KIDNPAPING</a:t>
+            </a:r>
+            <a:endParaRPr lang="en-US" dirty="0"/>
+          </a:p>
+        </p:txBody>
+      </p:sp>
+      <p:sp>
+        <p:nvSpPr>
+          <p:cNvPr id="8" name="Rectangle 7">
+            <a:extLst>
+              <a:ext uri="{FF2B5EF4-FFF2-40B4-BE49-F238E27FC236}">
+                <a16:creationId xmlns:a16="http://schemas.microsoft.com/office/drawing/2014/main" id="{A8661CB0-6D83-46A5-940F-90EE942C77B4}"/>
+              </a:ext>
+            </a:extLst>
+          </p:cNvPr>
+          <p:cNvSpPr/>
+          <p:nvPr/>
+        </p:nvSpPr>
+        <p:spPr>
+          <a:xfrm>
+            <a:off x="0" y="0"/>
+            <a:ext cx="12192000" cy="853440"/>
+          </a:xfrm>
+          <a:prstGeom prst="rect">
+            <a:avLst/>
+          </a:prstGeom>
+          <a:solidFill>
+            <a:schemeClr val="tx1"/>
+          </a:solidFill>
+        </p:spPr>
+        <p:style>
+          <a:lnRef idx="2">
+            <a:schemeClr val="accent1">
+              <a:shade val="50000"/>
+            </a:schemeClr>
+          </a:lnRef>
+          <a:fillRef idx="1">
+            <a:schemeClr val="accent1"/>
+          </a:fillRef>
+          <a:effectRef idx="0">
+            <a:schemeClr val="accent1"/>
+          </a:effectRef>
+          <a:fontRef idx="minor">
+            <a:schemeClr val="lt1"/>
+          </a:fontRef>
+        </p:style>
+        <p:txBody>
+          <a:bodyPr rtlCol="0" anchor="ctr"/>
+          <a:lstStyle/>
+          <a:p>
+            <a:pPr algn="ctr"/>
+            <a:r>
+              <a:rPr lang="en-US" dirty="0"/>
+              <a:t>FBI</a:t>
+            </a:r>
+          </a:p>
+        </p:txBody>
+      </p:sp>
+      <p:sp>
+        <p:nvSpPr>
+          <p:cNvPr id="9" name="Rectangle 8">
+            <a:extLst>
+              <a:ext uri="{FF2B5EF4-FFF2-40B4-BE49-F238E27FC236}">
+                <a16:creationId xmlns:a16="http://schemas.microsoft.com/office/drawing/2014/main" id="{FE4A3CF1-189F-407A-BB21-E07A73CF3900}"/>
+              </a:ext>
+            </a:extLst>
+          </p:cNvPr>
+          <p:cNvSpPr/>
+          <p:nvPr/>
+        </p:nvSpPr>
+        <p:spPr>
+          <a:xfrm>
+            <a:off x="0" y="853440"/>
+            <a:ext cx="12192000" cy="264160"/>
+          </a:xfrm>
+          <a:prstGeom prst="rect">
+            <a:avLst/>
+          </a:prstGeom>
+          <a:solidFill>
+            <a:srgbClr val="FF0000"/>
+          </a:solidFill>
+        </p:spPr>
+        <p:style>
+          <a:lnRef idx="2">
+            <a:schemeClr val="accent1">
+              <a:shade val="50000"/>
+            </a:schemeClr>
+          </a:lnRef>
+          <a:fillRef idx="1">
+            <a:schemeClr val="accent1"/>
+          </a:fillRef>
+          <a:effectRef idx="0">
+            <a:schemeClr val="accent1"/>
+          </a:effectRef>
+          <a:fontRef idx="minor">
+            <a:schemeClr val="lt1"/>
+          </a:fontRef>
+        </p:style>
+        <p:txBody>
+          <a:bodyPr rtlCol="0" anchor="ctr"/>
+          <a:lstStyle/>
+          <a:p>
+            <a:pPr algn="ctr"/>
+            <a:r>
+              <a:rPr lang="en-US" dirty="0"/>
+              <a:t>DEVELOPMENT</a:t>
+            </a:r>
+          </a:p>
+        </p:txBody>
+      </p:sp>
+      <p:sp>
+        <p:nvSpPr>
+          <p:cNvPr id="10" name="Rectangle 9">
+            <a:extLst>
+              <a:ext uri="{FF2B5EF4-FFF2-40B4-BE49-F238E27FC236}">
+                <a16:creationId xmlns:a16="http://schemas.microsoft.com/office/drawing/2014/main" id="{FE4A3CF1-189F-407A-BB21-E07A73CF3900}"/>
+              </a:ext>
+            </a:extLst>
+          </p:cNvPr>
+          <p:cNvSpPr/>
+          <p:nvPr/>
+        </p:nvSpPr>
+        <p:spPr>
+          <a:xfrm>
+            <a:off x="0" y="1124409"/>
+            <a:ext cx="12192000" cy="264160"/>
+          </a:xfrm>
+          <a:prstGeom prst="rect">
+            <a:avLst/>
+          </a:prstGeom>
+          <a:solidFill>
+            <a:schemeClr val="bg2"/>
+          </a:solidFill>
+        </p:spPr>
+        <p:style>
+          <a:lnRef idx="2">
+            <a:schemeClr val="accent1">
+              <a:shade val="50000"/>
+            </a:schemeClr>
+          </a:lnRef>
+          <a:fillRef idx="1">
+            <a:schemeClr val="accent1"/>
+          </a:fillRef>
+          <a:effectRef idx="0">
+            <a:schemeClr val="accent1"/>
+          </a:effectRef>
+          <a:fontRef idx="minor">
+            <a:schemeClr val="lt1"/>
+          </a:fontRef>
+        </p:style>
+        <p:txBody>
+          <a:bodyPr rtlCol="0" anchor="ctr"/>
+          <a:lstStyle/>
+          <a:p>
+            <a:pPr algn="ctr"/>
+            <a:r>
+              <a:rPr lang="en-US" sz="800" strike="sngStrike" dirty="0" smtClean="0"/>
+              <a:t>Sleeping Outside</a:t>
+            </a:r>
+            <a:endParaRPr lang="en-US" sz="800" strike="sngStrike" dirty="0"/>
+          </a:p>
+        </p:txBody>
+      </p:sp>
+      <p:pic>
+        <p:nvPicPr>
+          <p:cNvPr id="11" name="Picture 10"/>
+          <p:cNvPicPr>
+            <a:picLocks noChangeAspect="1"/>
+          </p:cNvPicPr>
+          <p:nvPr/>
+        </p:nvPicPr>
+        <p:blipFill>
+          <a:blip r:embed="rId4" cstate="hqprint">
+            <a:extLst>
+              <a:ext uri="{28A0092B-C50C-407E-A947-70E740481C1C}">
+                <a14:useLocalDpi xmlns:a14="http://schemas.microsoft.com/office/drawing/2010/main" val="0"/>
+              </a:ext>
+            </a:extLst>
+          </a:blip>
+          <a:stretch>
+            <a:fillRect/>
+          </a:stretch>
+        </p:blipFill>
+        <p:spPr>
+          <a:xfrm>
+            <a:off x="6981825" y="2692774"/>
+            <a:ext cx="1358290" cy="813559"/>
+          </a:xfrm>
+          <a:prstGeom prst="rect">
+            <a:avLst/>
+          </a:prstGeom>
+        </p:spPr>
+      </p:pic>
+      <p:pic>
+        <p:nvPicPr>
+          <p:cNvPr id="13" name="Picture 12"/>
+          <p:cNvPicPr>
+            <a:picLocks noChangeAspect="1"/>
+          </p:cNvPicPr>
+          <p:nvPr/>
+        </p:nvPicPr>
+        <p:blipFill>
+          <a:blip r:embed="rId5">
+            <a:extLst>
+              <a:ext uri="{28A0092B-C50C-407E-A947-70E740481C1C}">
+                <a14:useLocalDpi xmlns:a14="http://schemas.microsoft.com/office/drawing/2010/main" val="0"/>
+              </a:ext>
+            </a:extLst>
+          </a:blip>
+          <a:stretch>
+            <a:fillRect/>
+          </a:stretch>
+        </p:blipFill>
+        <p:spPr>
+          <a:xfrm>
+            <a:off x="8878957" y="2557462"/>
+            <a:ext cx="2598752" cy="4222972"/>
+          </a:xfrm>
+          <a:prstGeom prst="rect">
+            <a:avLst/>
+          </a:prstGeom>
+        </p:spPr>
+      </p:pic>
+      <p:pic>
+        <p:nvPicPr>
+          <p:cNvPr id="14" name="Picture 13"/>
+          <p:cNvPicPr>
+            <a:picLocks noChangeAspect="1"/>
+          </p:cNvPicPr>
+          <p:nvPr/>
+        </p:nvPicPr>
+        <p:blipFill>
+          <a:blip r:embed="rId6">
+            <a:extLst>
+              <a:ext uri="{28A0092B-C50C-407E-A947-70E740481C1C}">
+                <a14:useLocalDpi xmlns:a14="http://schemas.microsoft.com/office/drawing/2010/main" val="0"/>
+              </a:ext>
+            </a:extLst>
+          </a:blip>
+          <a:stretch>
+            <a:fillRect/>
+          </a:stretch>
+        </p:blipFill>
+        <p:spPr>
+          <a:xfrm>
+            <a:off x="6691179" y="4218209"/>
+            <a:ext cx="1781175" cy="2562225"/>
+          </a:xfrm>
+          <a:prstGeom prst="rect">
+            <a:avLst/>
+          </a:prstGeom>
+        </p:spPr>
+      </p:pic>
+      <p:sp>
+        <p:nvSpPr>
+          <p:cNvPr id="15" name="TextBox 14"/>
+          <p:cNvSpPr txBox="1"/>
+          <p:nvPr/>
+        </p:nvSpPr>
+        <p:spPr>
+          <a:xfrm>
+            <a:off x="7899672" y="3671528"/>
+            <a:ext cx="652743" cy="369332"/>
+          </a:xfrm>
+          <a:prstGeom prst="rect">
+            <a:avLst/>
+          </a:prstGeom>
+          <a:noFill/>
+        </p:spPr>
+        <p:txBody>
+          <a:bodyPr wrap="none" rtlCol="0">
+            <a:spAutoFit/>
+          </a:bodyPr>
+          <a:lstStyle/>
+          <a:p>
+            <a:r>
+              <a:rPr lang="en-US" dirty="0" smtClean="0"/>
+              <a:t>1995</a:t>
+            </a:r>
+            <a:endParaRPr lang="en-US" dirty="0"/>
+          </a:p>
+        </p:txBody>
+      </p:sp>
+      <p:sp>
+        <p:nvSpPr>
+          <p:cNvPr id="16" name="TextBox 15"/>
+          <p:cNvSpPr txBox="1"/>
+          <p:nvPr/>
+        </p:nvSpPr>
+        <p:spPr>
+          <a:xfrm>
+            <a:off x="683951" y="5138261"/>
+            <a:ext cx="4024563" cy="369332"/>
+          </a:xfrm>
+          <a:prstGeom prst="rect">
+            <a:avLst/>
+          </a:prstGeom>
+          <a:noFill/>
+        </p:spPr>
+        <p:txBody>
+          <a:bodyPr wrap="none" rtlCol="0">
+            <a:spAutoFit/>
+          </a:bodyPr>
+          <a:lstStyle/>
+          <a:p>
+            <a:r>
+              <a:rPr lang="en-US" dirty="0" err="1" smtClean="0"/>
+              <a:t>nonPocieRTALgoial.FBI:WMD</a:t>
+            </a:r>
+            <a:r>
+              <a:rPr lang="en-US" dirty="0" smtClean="0"/>
+              <a:t> for </a:t>
+            </a:r>
+            <a:r>
+              <a:rPr lang="en-US" dirty="0" err="1" smtClean="0"/>
+              <a:t>Omplcis</a:t>
+            </a:r>
+            <a:endParaRPr lang="en-US" dirty="0"/>
+          </a:p>
+        </p:txBody>
+      </p:sp>
+      <p:pic>
+        <p:nvPicPr>
+          <p:cNvPr id="17" name="Picture 16"/>
+          <p:cNvPicPr>
+            <a:picLocks noChangeAspect="1"/>
+          </p:cNvPicPr>
+          <p:nvPr/>
+        </p:nvPicPr>
+        <p:blipFill>
+          <a:blip r:embed="rId7" cstate="hqprint">
+            <a:extLst>
+              <a:ext uri="{28A0092B-C50C-407E-A947-70E740481C1C}">
+                <a14:useLocalDpi xmlns:a14="http://schemas.microsoft.com/office/drawing/2010/main" val="0"/>
+              </a:ext>
+            </a:extLst>
+          </a:blip>
+          <a:stretch>
+            <a:fillRect/>
+          </a:stretch>
+        </p:blipFill>
+        <p:spPr>
+          <a:xfrm>
+            <a:off x="5457314" y="5499321"/>
+            <a:ext cx="1654524" cy="1222797"/>
+          </a:xfrm>
+          <a:prstGeom prst="rect">
+            <a:avLst/>
+          </a:prstGeom>
+        </p:spPr>
+      </p:pic>
+      <p:pic>
+        <p:nvPicPr>
+          <p:cNvPr id="18" name="Picture 17"/>
+          <p:cNvPicPr>
+            <a:picLocks noChangeAspect="1"/>
+          </p:cNvPicPr>
+          <p:nvPr/>
+        </p:nvPicPr>
+        <p:blipFill>
+          <a:blip r:embed="rId8" cstate="hqprint">
+            <a:extLst>
+              <a:ext uri="{28A0092B-C50C-407E-A947-70E740481C1C}">
+                <a14:useLocalDpi xmlns:a14="http://schemas.microsoft.com/office/drawing/2010/main" val="0"/>
+              </a:ext>
+            </a:extLst>
+          </a:blip>
+          <a:stretch>
+            <a:fillRect/>
+          </a:stretch>
+        </p:blipFill>
+        <p:spPr>
+          <a:xfrm>
+            <a:off x="3579610" y="5689873"/>
+            <a:ext cx="1216154" cy="684087"/>
+          </a:xfrm>
+          <a:prstGeom prst="rect">
+            <a:avLst/>
+          </a:prstGeom>
+        </p:spPr>
+      </p:pic>
+      <p:sp>
+        <p:nvSpPr>
+          <p:cNvPr id="19" name="TextBox 18"/>
+          <p:cNvSpPr txBox="1"/>
+          <p:nvPr/>
+        </p:nvSpPr>
+        <p:spPr>
+          <a:xfrm flipH="1">
+            <a:off x="3040710" y="5835315"/>
+            <a:ext cx="538900" cy="646331"/>
+          </a:xfrm>
+          <a:prstGeom prst="rect">
+            <a:avLst/>
+          </a:prstGeom>
+          <a:noFill/>
+        </p:spPr>
+        <p:txBody>
+          <a:bodyPr wrap="square" rtlCol="0">
+            <a:spAutoFit/>
+          </a:bodyPr>
+          <a:lstStyle/>
+          <a:p>
+            <a:r>
+              <a:rPr lang="en-US" dirty="0" smtClean="0"/>
+              <a:t>2000</a:t>
+            </a:r>
+            <a:endParaRPr lang="en-US" dirty="0"/>
+          </a:p>
+        </p:txBody>
+      </p:sp>
+      <p:pic>
+        <p:nvPicPr>
+          <p:cNvPr id="20" name="Picture 19"/>
+          <p:cNvPicPr>
+            <a:picLocks noChangeAspect="1"/>
+          </p:cNvPicPr>
+          <p:nvPr/>
+        </p:nvPicPr>
+        <p:blipFill>
+          <a:blip r:embed="rId9">
+            <a:extLst>
+              <a:ext uri="{28A0092B-C50C-407E-A947-70E740481C1C}">
+                <a14:useLocalDpi xmlns:a14="http://schemas.microsoft.com/office/drawing/2010/main" val="0"/>
+              </a:ext>
+            </a:extLst>
+          </a:blip>
+          <a:stretch>
+            <a:fillRect/>
+          </a:stretch>
+        </p:blipFill>
+        <p:spPr>
+          <a:xfrm>
+            <a:off x="647454" y="5770472"/>
+            <a:ext cx="1652754" cy="925542"/>
+          </a:xfrm>
+          <a:prstGeom prst="rect">
+            <a:avLst/>
+          </a:prstGeom>
+        </p:spPr>
+      </p:pic>
+      <p:sp>
+        <p:nvSpPr>
+          <p:cNvPr id="21" name="TextBox 20"/>
+          <p:cNvSpPr txBox="1"/>
+          <p:nvPr/>
+        </p:nvSpPr>
+        <p:spPr>
+          <a:xfrm>
+            <a:off x="683951" y="5322927"/>
+            <a:ext cx="652743" cy="369332"/>
+          </a:xfrm>
+          <a:prstGeom prst="rect">
+            <a:avLst/>
+          </a:prstGeom>
+          <a:noFill/>
+        </p:spPr>
+        <p:txBody>
+          <a:bodyPr wrap="none" rtlCol="0">
+            <a:spAutoFit/>
+          </a:bodyPr>
+          <a:lstStyle/>
+          <a:p>
+            <a:r>
+              <a:rPr lang="en-US" dirty="0" smtClean="0"/>
+              <a:t>2005</a:t>
+            </a:r>
+            <a:endParaRPr lang="en-US" dirty="0"/>
+          </a:p>
+        </p:txBody>
+      </p:sp>
+      <p:pic>
+        <p:nvPicPr>
+          <p:cNvPr id="22" name="Picture 21"/>
+          <p:cNvPicPr>
+            <a:picLocks noChangeAspect="1"/>
+          </p:cNvPicPr>
+          <p:nvPr/>
+        </p:nvPicPr>
+        <p:blipFill>
+          <a:blip r:embed="rId10" cstate="hqprint">
+            <a:extLst>
+              <a:ext uri="{28A0092B-C50C-407E-A947-70E740481C1C}">
+                <a14:useLocalDpi xmlns:a14="http://schemas.microsoft.com/office/drawing/2010/main" val="0"/>
+              </a:ext>
+            </a:extLst>
+          </a:blip>
+          <a:stretch>
+            <a:fillRect/>
+          </a:stretch>
+        </p:blipFill>
+        <p:spPr>
+          <a:xfrm>
+            <a:off x="7473204" y="1601262"/>
+            <a:ext cx="2811506" cy="1875183"/>
+          </a:xfrm>
+          <a:prstGeom prst="rect">
+            <a:avLst/>
+          </a:prstGeom>
+        </p:spPr>
+      </p:pic>
+      <p:sp>
+        <p:nvSpPr>
+          <p:cNvPr id="23" name="TextBox 22"/>
+          <p:cNvSpPr txBox="1"/>
+          <p:nvPr/>
+        </p:nvSpPr>
+        <p:spPr>
+          <a:xfrm>
+            <a:off x="192113" y="4899201"/>
+            <a:ext cx="652743" cy="646331"/>
+          </a:xfrm>
+          <a:prstGeom prst="rect">
+            <a:avLst/>
+          </a:prstGeom>
+          <a:noFill/>
+        </p:spPr>
+        <p:txBody>
+          <a:bodyPr wrap="none" rtlCol="0">
+            <a:spAutoFit/>
+          </a:bodyPr>
+          <a:lstStyle/>
+          <a:p>
+            <a:r>
+              <a:rPr lang="en-US" dirty="0" smtClean="0"/>
+              <a:t>2014</a:t>
+            </a:r>
+          </a:p>
+          <a:p>
+            <a:r>
+              <a:rPr lang="en-US" dirty="0" smtClean="0"/>
+              <a:t>2011</a:t>
+            </a:r>
+            <a:endParaRPr lang="en-US" dirty="0"/>
+          </a:p>
+        </p:txBody>
+      </p:sp>
+      <p:sp>
+        <p:nvSpPr>
+          <p:cNvPr id="24" name="TextBox 23"/>
+          <p:cNvSpPr txBox="1"/>
+          <p:nvPr/>
+        </p:nvSpPr>
+        <p:spPr>
+          <a:xfrm>
+            <a:off x="0" y="1456569"/>
+            <a:ext cx="3493585" cy="369332"/>
+          </a:xfrm>
+          <a:prstGeom prst="rect">
+            <a:avLst/>
+          </a:prstGeom>
+          <a:noFill/>
+        </p:spPr>
+        <p:txBody>
+          <a:bodyPr wrap="none" rtlCol="0">
+            <a:spAutoFit/>
+          </a:bodyPr>
+          <a:lstStyle/>
+          <a:p>
+            <a:r>
+              <a:rPr lang="en-US" dirty="0" smtClean="0"/>
+              <a:t>2017 </a:t>
+            </a:r>
+            <a:r>
+              <a:rPr lang="en-US" dirty="0" err="1" smtClean="0"/>
+              <a:t>nonPoiceRTA</a:t>
+            </a:r>
+            <a:r>
+              <a:rPr lang="en-US" sz="800" strike="sngStrike" dirty="0" err="1" smtClean="0"/>
+              <a:t>.pizzahut.</a:t>
+            </a:r>
+            <a:r>
+              <a:rPr lang="en-US" dirty="0" err="1" smtClean="0"/>
+              <a:t>FOSTER</a:t>
+            </a:r>
+            <a:r>
+              <a:rPr lang="en-US" dirty="0" smtClean="0"/>
+              <a:t> CITY</a:t>
+            </a:r>
+            <a:endParaRPr lang="en-US" dirty="0"/>
+          </a:p>
+        </p:txBody>
+      </p:sp>
+      <p:pic>
+        <p:nvPicPr>
+          <p:cNvPr id="26" name="Picture 25"/>
+          <p:cNvPicPr>
+            <a:picLocks noChangeAspect="1"/>
+          </p:cNvPicPr>
+          <p:nvPr/>
+        </p:nvPicPr>
+        <p:blipFill>
+          <a:blip r:embed="rId11"/>
+          <a:stretch>
+            <a:fillRect/>
+          </a:stretch>
+        </p:blipFill>
+        <p:spPr>
+          <a:xfrm>
+            <a:off x="5813162" y="2003677"/>
+            <a:ext cx="668648" cy="844895"/>
+          </a:xfrm>
+          <a:prstGeom prst="rect">
+            <a:avLst/>
+          </a:prstGeom>
+        </p:spPr>
+      </p:pic>
+      <p:sp>
+        <p:nvSpPr>
+          <p:cNvPr id="27" name="TextBox 26"/>
+          <p:cNvSpPr txBox="1"/>
+          <p:nvPr/>
+        </p:nvSpPr>
+        <p:spPr>
+          <a:xfrm>
+            <a:off x="5515500" y="1825901"/>
+            <a:ext cx="652743" cy="369332"/>
+          </a:xfrm>
+          <a:prstGeom prst="rect">
+            <a:avLst/>
+          </a:prstGeom>
+          <a:noFill/>
+        </p:spPr>
+        <p:txBody>
+          <a:bodyPr wrap="none" rtlCol="0">
+            <a:spAutoFit/>
+          </a:bodyPr>
+          <a:lstStyle/>
+          <a:p>
+            <a:r>
+              <a:rPr lang="en-US" dirty="0" smtClean="0"/>
+              <a:t>2018</a:t>
+            </a:r>
+            <a:endParaRPr lang="en-US" dirty="0"/>
+          </a:p>
+        </p:txBody>
+      </p:sp>
+      <p:sp>
+        <p:nvSpPr>
+          <p:cNvPr id="28" name="TextBox 27"/>
+          <p:cNvSpPr txBox="1"/>
+          <p:nvPr/>
+        </p:nvSpPr>
+        <p:spPr>
+          <a:xfrm>
+            <a:off x="3751562" y="1329269"/>
+            <a:ext cx="5702715" cy="369332"/>
+          </a:xfrm>
+          <a:prstGeom prst="rect">
+            <a:avLst/>
+          </a:prstGeom>
+          <a:noFill/>
+        </p:spPr>
+        <p:txBody>
+          <a:bodyPr wrap="none" rtlCol="0">
+            <a:spAutoFit/>
+          </a:bodyPr>
+          <a:lstStyle/>
+          <a:p>
+            <a:r>
+              <a:rPr lang="en-US" dirty="0" err="1" smtClean="0"/>
+              <a:t>nonPoliceCfg.nonPoliceRTALogial</a:t>
+            </a:r>
+            <a:r>
+              <a:rPr lang="en-US" dirty="0" smtClean="0"/>
+              <a:t>[].</a:t>
+            </a:r>
+            <a:r>
+              <a:rPr lang="en-US" dirty="0" err="1" smtClean="0"/>
+              <a:t>nonPoliceBuilderLgoical</a:t>
+            </a:r>
+            <a:endParaRPr lang="en-US" dirty="0"/>
+          </a:p>
+        </p:txBody>
+      </p:sp>
+      <p:sp>
+        <p:nvSpPr>
+          <p:cNvPr id="29" name="Rectangle 28"/>
+          <p:cNvSpPr/>
+          <p:nvPr/>
+        </p:nvSpPr>
+        <p:spPr>
+          <a:xfrm>
+            <a:off x="10429461" y="1456569"/>
+            <a:ext cx="1762539" cy="565764"/>
+          </a:xfrm>
+          <a:prstGeom prst="rect">
+            <a:avLst/>
+          </a:prstGeom>
+          <a:solidFill>
+            <a:schemeClr val="accent6"/>
+          </a:solidFill>
+        </p:spPr>
+        <p:style>
+          <a:lnRef idx="2">
+            <a:schemeClr val="accent1">
+              <a:shade val="50000"/>
+            </a:schemeClr>
+          </a:lnRef>
+          <a:fillRef idx="1">
+            <a:schemeClr val="accent1"/>
+          </a:fillRef>
+          <a:effectRef idx="0">
+            <a:schemeClr val="accent1"/>
+          </a:effectRef>
+          <a:fontRef idx="minor">
+            <a:schemeClr val="lt1"/>
+          </a:fontRef>
+        </p:style>
+        <p:txBody>
+          <a:bodyPr rtlCol="0" anchor="ctr"/>
+          <a:lstStyle/>
+          <a:p>
+            <a:pPr algn="ctr"/>
+            <a:r>
+              <a:rPr lang="en-US" sz="3200" dirty="0" smtClean="0"/>
+              <a:t>FIRST</a:t>
+            </a:r>
+            <a:endParaRPr lang="en-US" sz="3200" dirty="0"/>
+          </a:p>
+        </p:txBody>
+      </p:sp>
+      <p:pic>
+        <p:nvPicPr>
+          <p:cNvPr id="30" name="Picture 29"/>
+          <p:cNvPicPr>
+            <a:picLocks noChangeAspect="1"/>
+          </p:cNvPicPr>
+          <p:nvPr/>
+        </p:nvPicPr>
+        <p:blipFill>
+          <a:blip r:embed="rId12"/>
+          <a:stretch>
+            <a:fillRect/>
+          </a:stretch>
+        </p:blipFill>
+        <p:spPr>
+          <a:xfrm>
+            <a:off x="4043619" y="1986143"/>
+            <a:ext cx="4104762" cy="2885714"/>
+          </a:xfrm>
+          <a:prstGeom prst="rect">
+            <a:avLst/>
+          </a:prstGeom>
+        </p:spPr>
+      </p:pic>
+      <p:pic>
+        <p:nvPicPr>
+          <p:cNvPr id="31" name="Picture 30"/>
+          <p:cNvPicPr>
+            <a:picLocks noChangeAspect="1"/>
+          </p:cNvPicPr>
+          <p:nvPr/>
+        </p:nvPicPr>
+        <p:blipFill>
+          <a:blip r:embed="rId13">
+            <a:extLst>
+              <a:ext uri="{28A0092B-C50C-407E-A947-70E740481C1C}">
+                <a14:useLocalDpi xmlns:a14="http://schemas.microsoft.com/office/drawing/2010/main" val="0"/>
+              </a:ext>
+            </a:extLst>
+          </a:blip>
+          <a:stretch>
+            <a:fillRect/>
+          </a:stretch>
+        </p:blipFill>
+        <p:spPr>
+          <a:xfrm>
+            <a:off x="2172179" y="3335536"/>
+            <a:ext cx="3076575" cy="1485900"/>
+          </a:xfrm>
+          <a:prstGeom prst="rect">
+            <a:avLst/>
+          </a:prstGeom>
+        </p:spPr>
+      </p:pic>
+      <p:cxnSp>
+        <p:nvCxnSpPr>
+          <p:cNvPr id="33" name="Straight Connector 32"/>
+          <p:cNvCxnSpPr/>
+          <p:nvPr/>
+        </p:nvCxnSpPr>
+        <p:spPr>
+          <a:xfrm flipV="1">
+            <a:off x="2133761" y="1904114"/>
+            <a:ext cx="6285951" cy="2905050"/>
+          </a:xfrm>
+          <a:prstGeom prst="line">
+            <a:avLst/>
+          </a:prstGeom>
+          <a:ln w="76200"/>
+        </p:spPr>
+        <p:style>
+          <a:lnRef idx="1">
+            <a:schemeClr val="accent1"/>
+          </a:lnRef>
+          <a:fillRef idx="0">
+            <a:schemeClr val="accent1"/>
+          </a:fillRef>
+          <a:effectRef idx="0">
+            <a:schemeClr val="accent1"/>
+          </a:effectRef>
+          <a:fontRef idx="minor">
+            <a:schemeClr val="tx1"/>
+          </a:fontRef>
+        </p:style>
+      </p:cxnSp>
+      <p:sp>
+        <p:nvSpPr>
+          <p:cNvPr id="34" name="Rectangle 33">
+            <a:extLst>
+              <a:ext uri="{FF2B5EF4-FFF2-40B4-BE49-F238E27FC236}">
+                <a16:creationId xmlns:a16="http://schemas.microsoft.com/office/drawing/2014/main" id="{D1820E72-E12F-4878-BD40-FAA99F6C323C}"/>
+              </a:ext>
+            </a:extLst>
+          </p:cNvPr>
+          <p:cNvSpPr/>
+          <p:nvPr/>
+        </p:nvSpPr>
+        <p:spPr>
+          <a:xfrm>
+            <a:off x="43164" y="1395378"/>
+            <a:ext cx="12219149" cy="5948316"/>
+          </a:xfrm>
+          <a:prstGeom prst="rect">
+            <a:avLst/>
+          </a:prstGeom>
+          <a:solidFill>
+            <a:srgbClr val="FFFFFF">
+              <a:alpha val="89804"/>
+            </a:srgbClr>
+          </a:solidFill>
+          <a:ln>
+            <a:solidFill>
+              <a:srgbClr val="FF0000"/>
+            </a:solidFill>
+            <a:prstDash val="sysDash"/>
+          </a:ln>
+        </p:spPr>
+        <p:style>
+          <a:lnRef idx="2">
+            <a:schemeClr val="accent1">
+              <a:shade val="50000"/>
+            </a:schemeClr>
+          </a:lnRef>
+          <a:fillRef idx="1">
+            <a:schemeClr val="accent1"/>
+          </a:fillRef>
+          <a:effectRef idx="0">
+            <a:schemeClr val="accent1"/>
+          </a:effectRef>
+          <a:fontRef idx="minor">
+            <a:schemeClr val="lt1"/>
+          </a:fontRef>
+        </p:style>
+        <p:txBody>
+          <a:bodyPr rtlCol="0" anchor="ctr"/>
+          <a:lstStyle/>
+          <a:p>
+            <a:pPr algn="ctr"/>
+            <a:endParaRPr lang="en-US" dirty="0"/>
+          </a:p>
+        </p:txBody>
+      </p:sp>
+    </p:spTree>
+    <p:extLst>
+      <p:ext uri="{BB962C8B-B14F-4D97-AF65-F5344CB8AC3E}">
+        <p14:creationId xmlns:p14="http://schemas.microsoft.com/office/powerpoint/2010/main" val="185359922"/>
+      </p:ext>
+    </p:extLst>
+  </p:cSld>
+  <p:clrMapOvr>
+    <a:masterClrMapping/>
+  </p:clrMapOvr>
+</p:sld>
+</file>
+
 <file path=ppt/slides/slide3.xml><?xml version="1.0" encoding="utf-8"?>
 <p:sld xmlns:a="http://schemas.openxmlformats.org/drawingml/2006/main" xmlns:r="http://schemas.openxmlformats.org/officeDocument/2006/relationships" xmlns:p="http://schemas.openxmlformats.org/presentationml/2006/main">
   <p:cSld>
@@ -30072,7 +32287,7 @@
         </p:nvSpPr>
         <p:spPr>
           <a:xfrm>
-            <a:off x="3109" y="1530241"/>
+            <a:off x="43164" y="1540786"/>
             <a:ext cx="12219149" cy="5802908"/>
           </a:xfrm>
           <a:prstGeom prst="rect">
@@ -36203,7 +38418,7 @@
           <a:graphicData uri="http://schemas.openxmlformats.org/presentationml/2006/ole">
             <mc:AlternateContent xmlns:mc="http://schemas.openxmlformats.org/markup-compatibility/2006">
               <mc:Choice xmlns:v="urn:schemas-microsoft-com:vml" Requires="v">
-                <p:oleObj spid="_x0000_s1033" name="Packager Shell Object" showAsIcon="1" r:id="rId5" imgW="1333800" imgH="532800" progId="Package">
+                <p:oleObj spid="_x0000_s1038" name="Packager Shell Object" showAsIcon="1" r:id="rId5" imgW="1333800" imgH="532800" progId="Package">
                   <p:embed/>
                 </p:oleObj>
               </mc:Choice>
